--- a/PPT/原则-瑞达利欧.pptx
+++ b/PPT/原则-瑞达利欧.pptx
@@ -207,7 +207,7 @@
           <a:p>
             <a:fld id="{B478E0E4-DC06-4041-AFA7-BB6F527FFA3F}" type="datetimeFigureOut">
               <a:rPr lang="zh-CN" altLang="en-US" smtClean="0"/>
-              <a:t>2021/4/24</a:t>
+              <a:t>2021/4/28</a:t>
             </a:fld>
             <a:endParaRPr lang="zh-CN" altLang="en-US"/>
           </a:p>
@@ -372,7 +372,7 @@
           <a:p>
             <a:fld id="{E86D8963-CFCD-4740-AF60-049850373CDF}" type="datetimeFigureOut">
               <a:rPr lang="zh-CN" altLang="en-US" smtClean="0"/>
-              <a:t>2021/4/24</a:t>
+              <a:t>2021/4/28</a:t>
             </a:fld>
             <a:endParaRPr lang="zh-CN" altLang="en-US"/>
           </a:p>
@@ -2556,7 +2556,7 @@
           <a:p>
             <a:fld id="{760FBDFE-C587-4B4C-A407-44438C67B59E}" type="datetimeFigureOut">
               <a:rPr lang="zh-CN" altLang="en-US" smtClean="0"/>
-              <a:t>2021/4/24</a:t>
+              <a:t>2021/4/28</a:t>
             </a:fld>
             <a:endParaRPr lang="zh-CN" altLang="en-US"/>
           </a:p>
@@ -3293,7 +3293,7 @@
         </p:nvSpPr>
         <p:spPr>
           <a:xfrm>
-            <a:off x="3437680" y="2592728"/>
+            <a:off x="4261645" y="2612825"/>
             <a:ext cx="2720050" cy="671332"/>
           </a:xfrm>
           <a:prstGeom prst="roundRect">
@@ -3321,7 +3321,187 @@
           <a:lstStyle/>
           <a:p>
             <a:pPr algn="ctr"/>
-            <a:endParaRPr lang="zh-CN" altLang="en-US"/>
+            <a:r>
+              <a:rPr lang="zh-CN" altLang="en-US" dirty="0" smtClean="0"/>
+              <a:t>机器</a:t>
+            </a:r>
+            <a:endParaRPr lang="zh-CN" altLang="en-US" dirty="0"/>
+          </a:p>
+        </p:txBody>
+      </p:sp>
+      <p:sp>
+        <p:nvSpPr>
+          <p:cNvPr id="3" name="圆角矩形 2"/>
+          <p:cNvSpPr/>
+          <p:nvPr/>
+        </p:nvSpPr>
+        <p:spPr>
+          <a:xfrm>
+            <a:off x="2901620" y="4875378"/>
+            <a:ext cx="2720050" cy="671332"/>
+          </a:xfrm>
+          <a:prstGeom prst="roundRect">
+            <a:avLst/>
+          </a:prstGeom>
+        </p:spPr>
+        <p:style>
+          <a:lnRef idx="2">
+            <a:schemeClr val="accent1">
+              <a:shade val="50000"/>
+            </a:schemeClr>
+          </a:lnRef>
+          <a:fillRef idx="1">
+            <a:schemeClr val="accent1"/>
+          </a:fillRef>
+          <a:effectRef idx="0">
+            <a:schemeClr val="accent1"/>
+          </a:effectRef>
+          <a:fontRef idx="minor">
+            <a:schemeClr val="lt1"/>
+          </a:fontRef>
+        </p:style>
+        <p:txBody>
+          <a:bodyPr rtlCol="0" anchor="ctr"/>
+          <a:lstStyle/>
+          <a:p>
+            <a:pPr algn="ctr"/>
+            <a:r>
+              <a:rPr lang="zh-CN" altLang="en-US" dirty="0" smtClean="0"/>
+              <a:t>设计</a:t>
+            </a:r>
+            <a:endParaRPr lang="zh-CN" altLang="en-US" dirty="0"/>
+          </a:p>
+        </p:txBody>
+      </p:sp>
+      <p:sp>
+        <p:nvSpPr>
+          <p:cNvPr id="4" name="圆角矩形 3"/>
+          <p:cNvSpPr/>
+          <p:nvPr/>
+        </p:nvSpPr>
+        <p:spPr>
+          <a:xfrm>
+            <a:off x="6229299" y="4875378"/>
+            <a:ext cx="2720050" cy="671332"/>
+          </a:xfrm>
+          <a:prstGeom prst="roundRect">
+            <a:avLst/>
+          </a:prstGeom>
+        </p:spPr>
+        <p:style>
+          <a:lnRef idx="2">
+            <a:schemeClr val="accent1">
+              <a:shade val="50000"/>
+            </a:schemeClr>
+          </a:lnRef>
+          <a:fillRef idx="1">
+            <a:schemeClr val="accent1"/>
+          </a:fillRef>
+          <a:effectRef idx="0">
+            <a:schemeClr val="accent1"/>
+          </a:effectRef>
+          <a:fontRef idx="minor">
+            <a:schemeClr val="lt1"/>
+          </a:fontRef>
+        </p:style>
+        <p:txBody>
+          <a:bodyPr rtlCol="0" anchor="ctr"/>
+          <a:lstStyle/>
+          <a:p>
+            <a:pPr algn="ctr"/>
+            <a:r>
+              <a:rPr lang="zh-CN" altLang="en-US" dirty="0"/>
+              <a:t>人</a:t>
+            </a:r>
+            <a:endParaRPr lang="zh-CN" altLang="en-US" dirty="0"/>
+          </a:p>
+        </p:txBody>
+      </p:sp>
+      <p:sp>
+        <p:nvSpPr>
+          <p:cNvPr id="5" name="圆角矩形 4"/>
+          <p:cNvSpPr/>
+          <p:nvPr/>
+        </p:nvSpPr>
+        <p:spPr>
+          <a:xfrm>
+            <a:off x="997605" y="2612825"/>
+            <a:ext cx="2720050" cy="671332"/>
+          </a:xfrm>
+          <a:prstGeom prst="roundRect">
+            <a:avLst/>
+          </a:prstGeom>
+        </p:spPr>
+        <p:style>
+          <a:lnRef idx="2">
+            <a:schemeClr val="accent1">
+              <a:shade val="50000"/>
+            </a:schemeClr>
+          </a:lnRef>
+          <a:fillRef idx="1">
+            <a:schemeClr val="accent1"/>
+          </a:fillRef>
+          <a:effectRef idx="0">
+            <a:schemeClr val="accent1"/>
+          </a:effectRef>
+          <a:fontRef idx="minor">
+            <a:schemeClr val="lt1"/>
+          </a:fontRef>
+        </p:style>
+        <p:txBody>
+          <a:bodyPr rtlCol="0" anchor="ctr"/>
+          <a:lstStyle/>
+          <a:p>
+            <a:pPr algn="ctr"/>
+            <a:r>
+              <a:rPr lang="zh-CN" altLang="en-US" dirty="0"/>
+              <a:t>目标</a:t>
+            </a:r>
+            <a:endParaRPr lang="zh-CN" altLang="en-US" dirty="0"/>
+          </a:p>
+        </p:txBody>
+      </p:sp>
+      <p:sp>
+        <p:nvSpPr>
+          <p:cNvPr id="6" name="圆角矩形 5"/>
+          <p:cNvSpPr/>
+          <p:nvPr/>
+        </p:nvSpPr>
+        <p:spPr>
+          <a:xfrm>
+            <a:off x="7428550" y="2612825"/>
+            <a:ext cx="2720050" cy="671332"/>
+          </a:xfrm>
+          <a:prstGeom prst="roundRect">
+            <a:avLst/>
+          </a:prstGeom>
+        </p:spPr>
+        <p:style>
+          <a:lnRef idx="2">
+            <a:schemeClr val="accent1">
+              <a:shade val="50000"/>
+            </a:schemeClr>
+          </a:lnRef>
+          <a:fillRef idx="1">
+            <a:schemeClr val="accent1"/>
+          </a:fillRef>
+          <a:effectRef idx="0">
+            <a:schemeClr val="accent1"/>
+          </a:effectRef>
+          <a:fontRef idx="minor">
+            <a:schemeClr val="lt1"/>
+          </a:fontRef>
+        </p:style>
+        <p:txBody>
+          <a:bodyPr rtlCol="0" anchor="ctr"/>
+          <a:lstStyle/>
+          <a:p>
+            <a:pPr algn="ctr"/>
+            <a:r>
+              <a:rPr lang="zh-CN" altLang="en-US" dirty="0"/>
+              <a:t>结果</a:t>
+            </a:r>
+            <a:endParaRPr lang="zh-CN" altLang="en-US" dirty="0"/>
           </a:p>
         </p:txBody>
       </p:sp>

--- a/PPT/原则-瑞达利欧.pptx
+++ b/PPT/原则-瑞达利欧.pptx
@@ -5,19 +5,20 @@
     <p:sldMasterId id="2147483648" r:id="rId1"/>
   </p:sldMasterIdLst>
   <p:notesMasterIdLst>
-    <p:notesMasterId r:id="rId4"/>
+    <p:notesMasterId r:id="rId5"/>
   </p:notesMasterIdLst>
   <p:handoutMasterIdLst>
-    <p:handoutMasterId r:id="rId5"/>
+    <p:handoutMasterId r:id="rId6"/>
   </p:handoutMasterIdLst>
   <p:sldIdLst>
     <p:sldId id="256" r:id="rId2"/>
     <p:sldId id="257" r:id="rId3"/>
+    <p:sldId id="258" r:id="rId4"/>
   </p:sldIdLst>
   <p:sldSz cx="12192000" cy="6858000"/>
   <p:notesSz cx="6858000" cy="9144000"/>
   <p:custDataLst>
-    <p:tags r:id="rId6"/>
+    <p:tags r:id="rId7"/>
   </p:custDataLst>
   <p:defaultTextStyle>
     <a:defPPr>
@@ -207,7 +208,7 @@
           <a:p>
             <a:fld id="{B478E0E4-DC06-4041-AFA7-BB6F527FFA3F}" type="datetimeFigureOut">
               <a:rPr lang="zh-CN" altLang="en-US" smtClean="0"/>
-              <a:t>2021/4/28</a:t>
+              <a:t>2021/4/29</a:t>
             </a:fld>
             <a:endParaRPr lang="zh-CN" altLang="en-US"/>
           </a:p>
@@ -372,7 +373,7 @@
           <a:p>
             <a:fld id="{E86D8963-CFCD-4740-AF60-049850373CDF}" type="datetimeFigureOut">
               <a:rPr lang="zh-CN" altLang="en-US" smtClean="0"/>
-              <a:t>2021/4/28</a:t>
+              <a:t>2021/4/29</a:t>
             </a:fld>
             <a:endParaRPr lang="zh-CN" altLang="en-US"/>
           </a:p>
@@ -2556,7 +2557,7 @@
           <a:p>
             <a:fld id="{760FBDFE-C587-4B4C-A407-44438C67B59E}" type="datetimeFigureOut">
               <a:rPr lang="zh-CN" altLang="en-US" smtClean="0"/>
-              <a:t>2021/4/28</a:t>
+              <a:t>2021/4/29</a:t>
             </a:fld>
             <a:endParaRPr lang="zh-CN" altLang="en-US"/>
           </a:p>
@@ -3413,7 +3414,6 @@
               <a:rPr lang="zh-CN" altLang="en-US" dirty="0"/>
               <a:t>人</a:t>
             </a:r>
-            <a:endParaRPr lang="zh-CN" altLang="en-US" dirty="0"/>
           </a:p>
         </p:txBody>
       </p:sp>
@@ -3457,7 +3457,6 @@
               <a:rPr lang="zh-CN" altLang="en-US" dirty="0"/>
               <a:t>目标</a:t>
             </a:r>
-            <a:endParaRPr lang="zh-CN" altLang="en-US" dirty="0"/>
           </a:p>
         </p:txBody>
       </p:sp>
@@ -3501,7 +3500,6 @@
               <a:rPr lang="zh-CN" altLang="en-US" dirty="0"/>
               <a:t>结果</a:t>
             </a:r>
-            <a:endParaRPr lang="zh-CN" altLang="en-US" dirty="0"/>
           </a:p>
         </p:txBody>
       </p:sp>
@@ -3512,6 +3510,210 @@
     <p:extLst>
       <p:ext uri="{BB962C8B-B14F-4D97-AF65-F5344CB8AC3E}">
         <p14:creationId xmlns:p14="http://schemas.microsoft.com/office/powerpoint/2010/main" val="2863207944"/>
+      </p:ext>
+    </p:extLst>
+  </p:cSld>
+  <p:clrMapOvr>
+    <a:masterClrMapping/>
+  </p:clrMapOvr>
+  <p:timing>
+    <p:tnLst>
+      <p:par>
+        <p:cTn id="1" dur="indefinite" restart="never" nodeType="tmRoot"/>
+      </p:par>
+    </p:tnLst>
+  </p:timing>
+</p:sld>
+</file>
+
+<file path=ppt/slides/slide3.xml><?xml version="1.0" encoding="utf-8"?>
+<p:sld xmlns:a="http://schemas.openxmlformats.org/drawingml/2006/main" xmlns:r="http://schemas.openxmlformats.org/officeDocument/2006/relationships" xmlns:p="http://schemas.openxmlformats.org/presentationml/2006/main">
+  <p:cSld>
+    <p:spTree>
+      <p:nvGrpSpPr>
+        <p:cNvPr id="1" name=""/>
+        <p:cNvGrpSpPr/>
+        <p:nvPr/>
+      </p:nvGrpSpPr>
+      <p:grpSpPr>
+        <a:xfrm>
+          <a:off x="0" y="0"/>
+          <a:ext cx="0" cy="0"/>
+          <a:chOff x="0" y="0"/>
+          <a:chExt cx="0" cy="0"/>
+        </a:xfrm>
+      </p:grpSpPr>
+      <p:sp>
+        <p:nvSpPr>
+          <p:cNvPr id="8" name="圆角矩形 7"/>
+          <p:cNvSpPr/>
+          <p:nvPr/>
+        </p:nvSpPr>
+        <p:spPr>
+          <a:xfrm>
+            <a:off x="4023188" y="2890576"/>
+            <a:ext cx="4682532" cy="3145134"/>
+          </a:xfrm>
+          <a:prstGeom prst="roundRect">
+            <a:avLst/>
+          </a:prstGeom>
+          <a:solidFill>
+            <a:schemeClr val="accent6">
+              <a:lumMod val="60000"/>
+              <a:lumOff val="40000"/>
+            </a:schemeClr>
+          </a:solidFill>
+        </p:spPr>
+        <p:style>
+          <a:lnRef idx="2">
+            <a:schemeClr val="accent1">
+              <a:shade val="50000"/>
+            </a:schemeClr>
+          </a:lnRef>
+          <a:fillRef idx="1">
+            <a:schemeClr val="accent1"/>
+          </a:fillRef>
+          <a:effectRef idx="0">
+            <a:schemeClr val="accent1"/>
+          </a:effectRef>
+          <a:fontRef idx="minor">
+            <a:schemeClr val="lt1"/>
+          </a:fontRef>
+        </p:style>
+        <p:txBody>
+          <a:bodyPr rtlCol="0" anchor="ctr"/>
+          <a:lstStyle/>
+          <a:p>
+            <a:pPr algn="ctr"/>
+            <a:endParaRPr lang="zh-CN" altLang="en-US"/>
+          </a:p>
+        </p:txBody>
+      </p:sp>
+      <p:sp>
+        <p:nvSpPr>
+          <p:cNvPr id="3" name="圆角矩形 2"/>
+          <p:cNvSpPr/>
+          <p:nvPr/>
+        </p:nvSpPr>
+        <p:spPr>
+          <a:xfrm>
+            <a:off x="2901620" y="4875378"/>
+            <a:ext cx="6925668" cy="641167"/>
+          </a:xfrm>
+          <a:prstGeom prst="roundRect">
+            <a:avLst/>
+          </a:prstGeom>
+        </p:spPr>
+        <p:style>
+          <a:lnRef idx="2">
+            <a:schemeClr val="accent1">
+              <a:shade val="50000"/>
+            </a:schemeClr>
+          </a:lnRef>
+          <a:fillRef idx="1">
+            <a:schemeClr val="accent1"/>
+          </a:fillRef>
+          <a:effectRef idx="0">
+            <a:schemeClr val="accent1"/>
+          </a:effectRef>
+          <a:fontRef idx="minor">
+            <a:schemeClr val="lt1"/>
+          </a:fontRef>
+        </p:style>
+        <p:txBody>
+          <a:bodyPr rtlCol="0" anchor="ctr"/>
+          <a:lstStyle/>
+          <a:p>
+            <a:pPr algn="ctr"/>
+            <a:r>
+              <a:rPr lang="zh-CN" altLang="en-US" dirty="0" smtClean="0"/>
+              <a:t>人</a:t>
+            </a:r>
+            <a:endParaRPr lang="zh-CN" altLang="en-US" dirty="0"/>
+          </a:p>
+        </p:txBody>
+      </p:sp>
+      <p:sp>
+        <p:nvSpPr>
+          <p:cNvPr id="7" name="圆角矩形 6"/>
+          <p:cNvSpPr/>
+          <p:nvPr/>
+        </p:nvSpPr>
+        <p:spPr>
+          <a:xfrm>
+            <a:off x="2901620" y="3821976"/>
+            <a:ext cx="6925668" cy="641167"/>
+          </a:xfrm>
+          <a:prstGeom prst="roundRect">
+            <a:avLst/>
+          </a:prstGeom>
+        </p:spPr>
+        <p:style>
+          <a:lnRef idx="2">
+            <a:schemeClr val="accent1">
+              <a:shade val="50000"/>
+            </a:schemeClr>
+          </a:lnRef>
+          <a:fillRef idx="1">
+            <a:schemeClr val="accent1"/>
+          </a:fillRef>
+          <a:effectRef idx="0">
+            <a:schemeClr val="accent1"/>
+          </a:effectRef>
+          <a:fontRef idx="minor">
+            <a:schemeClr val="lt1"/>
+          </a:fontRef>
+        </p:style>
+        <p:txBody>
+          <a:bodyPr rtlCol="0" anchor="ctr"/>
+          <a:lstStyle/>
+          <a:p>
+            <a:pPr algn="ctr"/>
+            <a:r>
+              <a:rPr lang="zh-CN" altLang="en-US" dirty="0" smtClean="0"/>
+              <a:t>事</a:t>
+            </a:r>
+            <a:endParaRPr lang="zh-CN" altLang="en-US" dirty="0"/>
+          </a:p>
+        </p:txBody>
+      </p:sp>
+      <p:sp>
+        <p:nvSpPr>
+          <p:cNvPr id="9" name="文本框 8"/>
+          <p:cNvSpPr txBox="1"/>
+          <p:nvPr/>
+        </p:nvSpPr>
+        <p:spPr>
+          <a:xfrm>
+            <a:off x="4572000" y="3098242"/>
+            <a:ext cx="1889090" cy="369332"/>
+          </a:xfrm>
+          <a:prstGeom prst="rect">
+            <a:avLst/>
+          </a:prstGeom>
+          <a:noFill/>
+        </p:spPr>
+        <p:txBody>
+          <a:bodyPr wrap="square" rtlCol="0">
+            <a:spAutoFit/>
+          </a:bodyPr>
+          <a:lstStyle/>
+          <a:p>
+            <a:r>
+              <a:rPr lang="zh-CN" altLang="en-US" dirty="0" smtClean="0"/>
+              <a:t>叙事的框架</a:t>
+            </a:r>
+            <a:endParaRPr lang="zh-CN" altLang="en-US" dirty="0"/>
+          </a:p>
+        </p:txBody>
+      </p:sp>
+    </p:spTree>
+    <p:custDataLst>
+      <p:tags r:id="rId1"/>
+    </p:custDataLst>
+    <p:extLst>
+      <p:ext uri="{BB962C8B-B14F-4D97-AF65-F5344CB8AC3E}">
+        <p14:creationId xmlns:p14="http://schemas.microsoft.com/office/powerpoint/2010/main" val="789443419"/>
       </p:ext>
     </p:extLst>
   </p:cSld>
@@ -3542,6 +3744,12 @@
 </file>
 
 <file path=ppt/tags/tag3.xml><?xml version="1.0" encoding="utf-8"?>
+<p:tagLst xmlns:a="http://schemas.openxmlformats.org/drawingml/2006/main" xmlns:r="http://schemas.openxmlformats.org/officeDocument/2006/relationships" xmlns:p="http://schemas.openxmlformats.org/presentationml/2006/main">
+  <p:tag name="ISLIDE.PICTURE" val="#581064;#581067;"/>
+</p:tagLst>
+</file>
+
+<file path=ppt/tags/tag4.xml><?xml version="1.0" encoding="utf-8"?>
 <p:tagLst xmlns:a="http://schemas.openxmlformats.org/drawingml/2006/main" xmlns:r="http://schemas.openxmlformats.org/officeDocument/2006/relationships" xmlns:p="http://schemas.openxmlformats.org/presentationml/2006/main">
   <p:tag name="ISLIDE.PICTURE" val="#581064;#581067;"/>
 </p:tagLst>
